--- a/day 7 github/git_github.pptx
+++ b/day 7 github/git_github.pptx
@@ -260,7 +260,7 @@
           <a:p>
             <a:fld id="{BD20B00D-ACF8-8049-B5AE-5FB398ABD86C}" type="datetimeFigureOut">
               <a:rPr lang="en-US" smtClean="0"/>
-              <a:t>8/9/23</a:t>
+              <a:t>8/1/24</a:t>
             </a:fld>
             <a:endParaRPr lang="en-US"/>
           </a:p>
@@ -592,6 +592,174 @@
           <a:p>
             <a:fld id="{12927ED0-79B0-5F4F-BADE-670498E4F410}" type="slidenum">
               <a:rPr lang="en-US" smtClean="0"/>
+              <a:t>5</a:t>
+            </a:fld>
+            <a:endParaRPr lang="en-US"/>
+          </a:p>
+        </p:txBody>
+      </p:sp>
+    </p:spTree>
+    <p:extLst>
+      <p:ext uri="{BB962C8B-B14F-4D97-AF65-F5344CB8AC3E}">
+        <p14:creationId xmlns:p14="http://schemas.microsoft.com/office/powerpoint/2010/main" val="2110477615"/>
+      </p:ext>
+    </p:extLst>
+  </p:cSld>
+  <p:clrMapOvr>
+    <a:masterClrMapping/>
+  </p:clrMapOvr>
+</p:notes>
+</file>
+
+<file path=ppt/notesSlides/notesSlide2.xml><?xml version="1.0" encoding="utf-8"?>
+<p:notes xmlns:a="http://schemas.openxmlformats.org/drawingml/2006/main" xmlns:r="http://schemas.openxmlformats.org/officeDocument/2006/relationships" xmlns:p="http://schemas.openxmlformats.org/presentationml/2006/main">
+  <p:cSld>
+    <p:spTree>
+      <p:nvGrpSpPr>
+        <p:cNvPr id="1" name=""/>
+        <p:cNvGrpSpPr/>
+        <p:nvPr/>
+      </p:nvGrpSpPr>
+      <p:grpSpPr>
+        <a:xfrm>
+          <a:off x="0" y="0"/>
+          <a:ext cx="0" cy="0"/>
+          <a:chOff x="0" y="0"/>
+          <a:chExt cx="0" cy="0"/>
+        </a:xfrm>
+      </p:grpSpPr>
+      <p:sp>
+        <p:nvSpPr>
+          <p:cNvPr id="2" name="Slide Image Placeholder 1"/>
+          <p:cNvSpPr>
+            <a:spLocks noGrp="1" noRot="1" noChangeAspect="1"/>
+          </p:cNvSpPr>
+          <p:nvPr>
+            <p:ph type="sldImg"/>
+          </p:nvPr>
+        </p:nvSpPr>
+        <p:spPr/>
+      </p:sp>
+      <p:sp>
+        <p:nvSpPr>
+          <p:cNvPr id="3" name="Notes Placeholder 2"/>
+          <p:cNvSpPr>
+            <a:spLocks noGrp="1"/>
+          </p:cNvSpPr>
+          <p:nvPr>
+            <p:ph type="body" idx="1"/>
+          </p:nvPr>
+        </p:nvSpPr>
+        <p:spPr/>
+        <p:txBody>
+          <a:bodyPr/>
+          <a:lstStyle/>
+          <a:p>
+            <a:endParaRPr lang="en-US" dirty="0"/>
+          </a:p>
+        </p:txBody>
+      </p:sp>
+      <p:sp>
+        <p:nvSpPr>
+          <p:cNvPr id="4" name="Slide Number Placeholder 3"/>
+          <p:cNvSpPr>
+            <a:spLocks noGrp="1"/>
+          </p:cNvSpPr>
+          <p:nvPr>
+            <p:ph type="sldNum" sz="quarter" idx="5"/>
+          </p:nvPr>
+        </p:nvSpPr>
+        <p:spPr/>
+        <p:txBody>
+          <a:bodyPr/>
+          <a:lstStyle/>
+          <a:p>
+            <a:fld id="{12927ED0-79B0-5F4F-BADE-670498E4F410}" type="slidenum">
+              <a:rPr lang="en-US" smtClean="0"/>
+              <a:t>21</a:t>
+            </a:fld>
+            <a:endParaRPr lang="en-US"/>
+          </a:p>
+        </p:txBody>
+      </p:sp>
+    </p:spTree>
+    <p:extLst>
+      <p:ext uri="{BB962C8B-B14F-4D97-AF65-F5344CB8AC3E}">
+        <p14:creationId xmlns:p14="http://schemas.microsoft.com/office/powerpoint/2010/main" val="1550576886"/>
+      </p:ext>
+    </p:extLst>
+  </p:cSld>
+  <p:clrMapOvr>
+    <a:masterClrMapping/>
+  </p:clrMapOvr>
+</p:notes>
+</file>
+
+<file path=ppt/notesSlides/notesSlide3.xml><?xml version="1.0" encoding="utf-8"?>
+<p:notes xmlns:a="http://schemas.openxmlformats.org/drawingml/2006/main" xmlns:r="http://schemas.openxmlformats.org/officeDocument/2006/relationships" xmlns:p="http://schemas.openxmlformats.org/presentationml/2006/main">
+  <p:cSld>
+    <p:spTree>
+      <p:nvGrpSpPr>
+        <p:cNvPr id="1" name=""/>
+        <p:cNvGrpSpPr/>
+        <p:nvPr/>
+      </p:nvGrpSpPr>
+      <p:grpSpPr>
+        <a:xfrm>
+          <a:off x="0" y="0"/>
+          <a:ext cx="0" cy="0"/>
+          <a:chOff x="0" y="0"/>
+          <a:chExt cx="0" cy="0"/>
+        </a:xfrm>
+      </p:grpSpPr>
+      <p:sp>
+        <p:nvSpPr>
+          <p:cNvPr id="2" name="Slide Image Placeholder 1"/>
+          <p:cNvSpPr>
+            <a:spLocks noGrp="1" noRot="1" noChangeAspect="1"/>
+          </p:cNvSpPr>
+          <p:nvPr>
+            <p:ph type="sldImg"/>
+          </p:nvPr>
+        </p:nvSpPr>
+        <p:spPr/>
+      </p:sp>
+      <p:sp>
+        <p:nvSpPr>
+          <p:cNvPr id="3" name="Notes Placeholder 2"/>
+          <p:cNvSpPr>
+            <a:spLocks noGrp="1"/>
+          </p:cNvSpPr>
+          <p:nvPr>
+            <p:ph type="body" idx="1"/>
+          </p:nvPr>
+        </p:nvSpPr>
+        <p:spPr/>
+        <p:txBody>
+          <a:bodyPr/>
+          <a:lstStyle/>
+          <a:p>
+            <a:endParaRPr lang="en-US" dirty="0"/>
+          </a:p>
+        </p:txBody>
+      </p:sp>
+      <p:sp>
+        <p:nvSpPr>
+          <p:cNvPr id="4" name="Slide Number Placeholder 3"/>
+          <p:cNvSpPr>
+            <a:spLocks noGrp="1"/>
+          </p:cNvSpPr>
+          <p:nvPr>
+            <p:ph type="sldNum" sz="quarter" idx="5"/>
+          </p:nvPr>
+        </p:nvSpPr>
+        <p:spPr/>
+        <p:txBody>
+          <a:bodyPr/>
+          <a:lstStyle/>
+          <a:p>
+            <a:fld id="{12927ED0-79B0-5F4F-BADE-670498E4F410}" type="slidenum">
+              <a:rPr lang="en-US" smtClean="0"/>
               <a:t>41</a:t>
             </a:fld>
             <a:endParaRPr lang="en-US"/>
@@ -750,7 +918,7 @@
           <a:p>
             <a:fld id="{1D8BD707-D9CF-40AE-B4C6-C98DA3205C09}" type="datetimeFigureOut">
               <a:rPr lang="en-US"/>
-              <a:t>8/9/23</a:t>
+              <a:t>8/1/24</a:t>
             </a:fld>
             <a:endParaRPr lang="en-US"/>
           </a:p>
@@ -925,7 +1093,7 @@
           <a:p>
             <a:fld id="{1D8BD707-D9CF-40AE-B4C6-C98DA3205C09}" type="datetimeFigureOut">
               <a:rPr lang="en-US"/>
-              <a:t>8/9/23</a:t>
+              <a:t>8/1/24</a:t>
             </a:fld>
             <a:endParaRPr lang="en-US"/>
           </a:p>
@@ -1145,7 +1313,7 @@
           <a:p>
             <a:fld id="{1D8BD707-D9CF-40AE-B4C6-C98DA3205C09}" type="datetimeFigureOut">
               <a:rPr lang="en-US"/>
-              <a:t>8/9/23</a:t>
+              <a:t>8/1/24</a:t>
             </a:fld>
             <a:endParaRPr lang="en-US"/>
           </a:p>
@@ -1293,7 +1461,7 @@
           <a:p>
             <a:fld id="{1D8BD707-D9CF-40AE-B4C6-C98DA3205C09}" type="datetimeFigureOut">
               <a:rPr lang="en-US"/>
-              <a:t>8/9/23</a:t>
+              <a:t>8/1/24</a:t>
             </a:fld>
             <a:endParaRPr lang="en-US"/>
           </a:p>
@@ -1499,7 +1667,7 @@
           <a:p>
             <a:fld id="{1D8BD707-D9CF-40AE-B4C6-C98DA3205C09}" type="datetimeFigureOut">
               <a:rPr lang="en-US"/>
-              <a:t>8/9/23</a:t>
+              <a:t>8/1/24</a:t>
             </a:fld>
             <a:endParaRPr lang="en-US"/>
           </a:p>
@@ -1772,7 +1940,7 @@
           <a:p>
             <a:fld id="{1D8BD707-D9CF-40AE-B4C6-C98DA3205C09}" type="datetimeFigureOut">
               <a:rPr lang="en-US"/>
-              <a:t>8/9/23</a:t>
+              <a:t>8/1/24</a:t>
             </a:fld>
             <a:endParaRPr lang="en-US"/>
           </a:p>
@@ -5947,7 +6115,7 @@
           <p:nvPr/>
         </p:nvPicPr>
         <p:blipFill>
-          <a:blip r:embed="rId2">
+          <a:blip r:embed="rId3">
             <a:extLst>
               <a:ext uri="{28A0092B-C50C-407E-A947-70E740481C1C}">
                 <a14:useLocalDpi xmlns:a14="http://schemas.microsoft.com/office/drawing/2010/main" val="0"/>
@@ -22005,7 +22173,7 @@
           <a:bodyPr/>
           <a:lstStyle/>
           <a:p>
-            <a:endParaRPr lang="en-US"/>
+            <a:endParaRPr lang="en-US" dirty="0"/>
           </a:p>
         </p:txBody>
       </p:sp>
@@ -22037,7 +22205,7 @@
           <a:p>
             <a:r>
               <a:rPr lang="en-US" dirty="0"/>
-              <a:t>Another example</a:t>
+              <a:t>other examples</a:t>
             </a:r>
           </a:p>
         </p:txBody>
@@ -22057,7 +22225,7 @@
           <p:nvPr/>
         </p:nvPicPr>
         <p:blipFill>
-          <a:blip r:embed="rId2">
+          <a:blip r:embed="rId3">
             <a:extLst>
               <a:ext uri="{28A0092B-C50C-407E-A947-70E740481C1C}">
                 <a14:useLocalDpi xmlns:a14="http://schemas.microsoft.com/office/drawing/2010/main" val="0"/>
@@ -22071,7 +22239,7 @@
         </p:blipFill>
         <p:spPr bwMode="auto">
           <a:xfrm>
-            <a:off x="2947988" y="0"/>
+            <a:off x="3533775" y="0"/>
             <a:ext cx="6296025" cy="6858000"/>
           </a:xfrm>
           <a:prstGeom prst="rect">
@@ -22089,6 +22257,167 @@
           </a:extLst>
         </p:spPr>
       </p:pic>
+      <p:sp>
+        <p:nvSpPr>
+          <p:cNvPr id="6" name="TextBox 5">
+            <a:extLst>
+              <a:ext uri="{FF2B5EF4-FFF2-40B4-BE49-F238E27FC236}">
+                <a16:creationId xmlns:a16="http://schemas.microsoft.com/office/drawing/2014/main" id="{C8CD9CFE-A8C2-D9DD-9F7E-2DD1B88BAB2E}"/>
+              </a:ext>
+            </a:extLst>
+          </p:cNvPr>
+          <p:cNvSpPr txBox="1"/>
+          <p:nvPr/>
+        </p:nvSpPr>
+        <p:spPr>
+          <a:xfrm>
+            <a:off x="280334" y="3257024"/>
+            <a:ext cx="2539066" cy="2031325"/>
+          </a:xfrm>
+          <a:prstGeom prst="rect">
+            <a:avLst/>
+          </a:prstGeom>
+          <a:solidFill>
+            <a:schemeClr val="bg1"/>
+          </a:solidFill>
+        </p:spPr>
+        <p:txBody>
+          <a:bodyPr wrap="square">
+            <a:spAutoFit/>
+          </a:bodyPr>
+          <a:lstStyle/>
+          <a:p>
+            <a:r>
+              <a:rPr lang="en-US" dirty="0">
+                <a:latin typeface="Times New Roman" panose="02020603050405020304" pitchFamily="18" charset="0"/>
+                <a:cs typeface="Times New Roman" panose="02020603050405020304" pitchFamily="18" charset="0"/>
+              </a:rPr>
+              <a:t>├─</a:t>
+            </a:r>
+            <a:r>
+              <a:rPr lang="en-US" dirty="0" err="1">
+                <a:latin typeface="Times New Roman" panose="02020603050405020304" pitchFamily="18" charset="0"/>
+                <a:cs typeface="Times New Roman" panose="02020603050405020304" pitchFamily="18" charset="0"/>
+              </a:rPr>
+              <a:t>src</a:t>
+            </a:r>
+            <a:r>
+              <a:rPr lang="en-US" dirty="0">
+                <a:latin typeface="Times New Roman" panose="02020603050405020304" pitchFamily="18" charset="0"/>
+                <a:cs typeface="Times New Roman" panose="02020603050405020304" pitchFamily="18" charset="0"/>
+              </a:rPr>
+              <a:t>  </a:t>
+            </a:r>
+          </a:p>
+          <a:p>
+            <a:r>
+              <a:rPr lang="en-US" dirty="0">
+                <a:latin typeface="Times New Roman" panose="02020603050405020304" pitchFamily="18" charset="0"/>
+                <a:cs typeface="Times New Roman" panose="02020603050405020304" pitchFamily="18" charset="0"/>
+              </a:rPr>
+              <a:t>│ └─ </a:t>
+            </a:r>
+            <a:r>
+              <a:rPr lang="en-US" dirty="0" err="1">
+                <a:latin typeface="Times New Roman" panose="02020603050405020304" pitchFamily="18" charset="0"/>
+                <a:cs typeface="Times New Roman" panose="02020603050405020304" pitchFamily="18" charset="0"/>
+              </a:rPr>
+              <a:t>packagename</a:t>
+            </a:r>
+            <a:r>
+              <a:rPr lang="en-US" dirty="0">
+                <a:latin typeface="Times New Roman" panose="02020603050405020304" pitchFamily="18" charset="0"/>
+                <a:cs typeface="Times New Roman" panose="02020603050405020304" pitchFamily="18" charset="0"/>
+              </a:rPr>
+              <a:t> </a:t>
+            </a:r>
+          </a:p>
+          <a:p>
+            <a:r>
+              <a:rPr lang="en-US" dirty="0">
+                <a:latin typeface="Times New Roman" panose="02020603050405020304" pitchFamily="18" charset="0"/>
+                <a:cs typeface="Times New Roman" panose="02020603050405020304" pitchFamily="18" charset="0"/>
+              </a:rPr>
+              <a:t>│       ├─ __</a:t>
+            </a:r>
+            <a:r>
+              <a:rPr lang="en-US" dirty="0" err="1">
+                <a:latin typeface="Times New Roman" panose="02020603050405020304" pitchFamily="18" charset="0"/>
+                <a:cs typeface="Times New Roman" panose="02020603050405020304" pitchFamily="18" charset="0"/>
+              </a:rPr>
+              <a:t>init</a:t>
+            </a:r>
+            <a:r>
+              <a:rPr lang="en-US" dirty="0">
+                <a:latin typeface="Times New Roman" panose="02020603050405020304" pitchFamily="18" charset="0"/>
+                <a:cs typeface="Times New Roman" panose="02020603050405020304" pitchFamily="18" charset="0"/>
+              </a:rPr>
+              <a:t>__.</a:t>
+            </a:r>
+            <a:r>
+              <a:rPr lang="en-US" dirty="0" err="1">
+                <a:latin typeface="Times New Roman" panose="02020603050405020304" pitchFamily="18" charset="0"/>
+                <a:cs typeface="Times New Roman" panose="02020603050405020304" pitchFamily="18" charset="0"/>
+              </a:rPr>
+              <a:t>py</a:t>
+            </a:r>
+            <a:r>
+              <a:rPr lang="en-US" dirty="0">
+                <a:latin typeface="Times New Roman" panose="02020603050405020304" pitchFamily="18" charset="0"/>
+                <a:cs typeface="Times New Roman" panose="02020603050405020304" pitchFamily="18" charset="0"/>
+              </a:rPr>
+              <a:t> </a:t>
+            </a:r>
+          </a:p>
+          <a:p>
+            <a:r>
+              <a:rPr lang="en-US" dirty="0">
+                <a:latin typeface="Times New Roman" panose="02020603050405020304" pitchFamily="18" charset="0"/>
+                <a:cs typeface="Times New Roman" panose="02020603050405020304" pitchFamily="18" charset="0"/>
+              </a:rPr>
+              <a:t>│       ├─ ... </a:t>
+            </a:r>
+          </a:p>
+          <a:p>
+            <a:r>
+              <a:rPr lang="en-US" dirty="0">
+                <a:latin typeface="Times New Roman" panose="02020603050405020304" pitchFamily="18" charset="0"/>
+                <a:cs typeface="Times New Roman" panose="02020603050405020304" pitchFamily="18" charset="0"/>
+              </a:rPr>
+              <a:t>│       └─ tests </a:t>
+            </a:r>
+          </a:p>
+          <a:p>
+            <a:r>
+              <a:rPr lang="en-US" dirty="0">
+                <a:latin typeface="Times New Roman" panose="02020603050405020304" pitchFamily="18" charset="0"/>
+                <a:cs typeface="Times New Roman" panose="02020603050405020304" pitchFamily="18" charset="0"/>
+              </a:rPr>
+              <a:t>│              └─ ... </a:t>
+            </a:r>
+          </a:p>
+          <a:p>
+            <a:r>
+              <a:rPr lang="en-US" dirty="0">
+                <a:latin typeface="Times New Roman" panose="02020603050405020304" pitchFamily="18" charset="0"/>
+                <a:cs typeface="Times New Roman" panose="02020603050405020304" pitchFamily="18" charset="0"/>
+              </a:rPr>
+              <a:t>└─ </a:t>
+            </a:r>
+            <a:r>
+              <a:rPr lang="en-US" dirty="0" err="1">
+                <a:latin typeface="Times New Roman" panose="02020603050405020304" pitchFamily="18" charset="0"/>
+                <a:cs typeface="Times New Roman" panose="02020603050405020304" pitchFamily="18" charset="0"/>
+              </a:rPr>
+              <a:t>setup.py</a:t>
+            </a:r>
+            <a:endParaRPr lang="en-US" dirty="0">
+              <a:latin typeface="Times New Roman" panose="02020603050405020304" pitchFamily="18" charset="0"/>
+              <a:cs typeface="Times New Roman" panose="02020603050405020304" pitchFamily="18" charset="0"/>
+            </a:endParaRPr>
+          </a:p>
+        </p:txBody>
+      </p:sp>
     </p:spTree>
     <p:extLst>
       <p:ext uri="{BB962C8B-B14F-4D97-AF65-F5344CB8AC3E}">

--- a/day 7 github/git_github.pptx
+++ b/day 7 github/git_github.pptx
@@ -14788,7 +14788,7 @@
               </a:rPr>
               <a:t>command:</a:t>
             </a:r>
-            <a:endParaRPr sz="2800">
+            <a:endParaRPr sz="2800" dirty="0">
               <a:latin typeface="Trebuchet MS"/>
               <a:cs typeface="Trebuchet MS"/>
             </a:endParaRPr>
@@ -14890,7 +14890,7 @@
               </a:rPr>
               <a:t>/planets.git</a:t>
             </a:r>
-            <a:endParaRPr sz="2800">
+            <a:endParaRPr sz="2800" dirty="0">
               <a:latin typeface="Trebuchet MS"/>
               <a:cs typeface="Trebuchet MS"/>
             </a:endParaRPr>
@@ -15081,7 +15081,7 @@
               </a:rPr>
               <a:t>repository</a:t>
             </a:r>
-            <a:endParaRPr sz="2800">
+            <a:endParaRPr sz="2800" dirty="0">
               <a:latin typeface="Trebuchet MS"/>
               <a:cs typeface="Trebuchet MS"/>
             </a:endParaRPr>
@@ -15122,6 +15122,13 @@
               <a:t>remote</a:t>
             </a:r>
             <a:r>
+              <a:rPr lang="en-US" sz="2800" spc="-130" dirty="0">
+                <a:latin typeface="Trebuchet MS"/>
+                <a:cs typeface="Trebuchet MS"/>
+              </a:rPr>
+              <a:t> </a:t>
+            </a:r>
+            <a:r>
               <a:rPr sz="2800" spc="-434" dirty="0">
                 <a:latin typeface="Trebuchet MS"/>
                 <a:cs typeface="Trebuchet MS"/>
@@ -15135,7 +15142,7 @@
               </a:rPr>
               <a:t>-v</a:t>
             </a:r>
-            <a:endParaRPr sz="2800">
+            <a:endParaRPr sz="2800" dirty="0">
               <a:latin typeface="Trebuchet MS"/>
               <a:cs typeface="Trebuchet MS"/>
             </a:endParaRPr>
